--- a/前端开发-安卓基础.pptx
+++ b/前端开发-安卓基础.pptx
@@ -321,7 +321,7 @@
           <a:p>
             <a:fld id="{A5653BC3-BBCA-48BF-BFDC-06D38195F5A9}" type="datetimeFigureOut">
               <a:rPr lang="zh-CN" altLang="en-US" smtClean="0"/>
-              <a:t>2019/5/6</a:t>
+              <a:t>2019/5/8</a:t>
             </a:fld>
             <a:endParaRPr lang="zh-CN" altLang="en-US"/>
           </a:p>
@@ -653,7 +653,7 @@
           <a:p>
             <a:fld id="{A5653BC3-BBCA-48BF-BFDC-06D38195F5A9}" type="datetimeFigureOut">
               <a:rPr lang="zh-CN" altLang="en-US" smtClean="0"/>
-              <a:t>2019/5/6</a:t>
+              <a:t>2019/5/8</a:t>
             </a:fld>
             <a:endParaRPr lang="zh-CN" altLang="en-US"/>
           </a:p>
@@ -1052,7 +1052,7 @@
           <a:p>
             <a:fld id="{A5653BC3-BBCA-48BF-BFDC-06D38195F5A9}" type="datetimeFigureOut">
               <a:rPr lang="zh-CN" altLang="en-US" smtClean="0"/>
-              <a:t>2019/5/6</a:t>
+              <a:t>2019/5/8</a:t>
             </a:fld>
             <a:endParaRPr lang="zh-CN" altLang="en-US"/>
           </a:p>
@@ -1386,7 +1386,7 @@
           <a:p>
             <a:fld id="{A5653BC3-BBCA-48BF-BFDC-06D38195F5A9}" type="datetimeFigureOut">
               <a:rPr lang="zh-CN" altLang="en-US" smtClean="0"/>
-              <a:t>2019/5/6</a:t>
+              <a:t>2019/5/8</a:t>
             </a:fld>
             <a:endParaRPr lang="zh-CN" altLang="en-US"/>
           </a:p>
@@ -1704,7 +1704,7 @@
           <a:p>
             <a:fld id="{A5653BC3-BBCA-48BF-BFDC-06D38195F5A9}" type="datetimeFigureOut">
               <a:rPr lang="zh-CN" altLang="en-US" smtClean="0"/>
-              <a:t>2019/5/6</a:t>
+              <a:t>2019/5/8</a:t>
             </a:fld>
             <a:endParaRPr lang="zh-CN" altLang="en-US"/>
           </a:p>
@@ -2098,7 +2098,7 @@
           <a:p>
             <a:fld id="{A5653BC3-BBCA-48BF-BFDC-06D38195F5A9}" type="datetimeFigureOut">
               <a:rPr lang="zh-CN" altLang="en-US" smtClean="0"/>
-              <a:t>2019/5/6</a:t>
+              <a:t>2019/5/8</a:t>
             </a:fld>
             <a:endParaRPr lang="zh-CN" altLang="en-US"/>
           </a:p>
@@ -2353,7 +2353,7 @@
           <a:p>
             <a:fld id="{A5653BC3-BBCA-48BF-BFDC-06D38195F5A9}" type="datetimeFigureOut">
               <a:rPr lang="zh-CN" altLang="en-US" smtClean="0"/>
-              <a:t>2019/5/6</a:t>
+              <a:t>2019/5/8</a:t>
             </a:fld>
             <a:endParaRPr lang="zh-CN" altLang="en-US"/>
           </a:p>
@@ -2613,7 +2613,7 @@
           <a:p>
             <a:fld id="{A5653BC3-BBCA-48BF-BFDC-06D38195F5A9}" type="datetimeFigureOut">
               <a:rPr lang="zh-CN" altLang="en-US" smtClean="0"/>
-              <a:t>2019/5/6</a:t>
+              <a:t>2019/5/8</a:t>
             </a:fld>
             <a:endParaRPr lang="zh-CN" altLang="en-US"/>
           </a:p>
@@ -2873,7 +2873,7 @@
           <a:p>
             <a:fld id="{A5653BC3-BBCA-48BF-BFDC-06D38195F5A9}" type="datetimeFigureOut">
               <a:rPr lang="zh-CN" altLang="en-US" smtClean="0"/>
-              <a:t>2019/5/6</a:t>
+              <a:t>2019/5/8</a:t>
             </a:fld>
             <a:endParaRPr lang="zh-CN" altLang="en-US"/>
           </a:p>
@@ -3200,7 +3200,7 @@
           <a:p>
             <a:fld id="{A5653BC3-BBCA-48BF-BFDC-06D38195F5A9}" type="datetimeFigureOut">
               <a:rPr lang="zh-CN" altLang="en-US" smtClean="0"/>
-              <a:t>2019/5/6</a:t>
+              <a:t>2019/5/8</a:t>
             </a:fld>
             <a:endParaRPr lang="zh-CN" altLang="en-US"/>
           </a:p>
@@ -3521,7 +3521,7 @@
           <a:p>
             <a:fld id="{A5653BC3-BBCA-48BF-BFDC-06D38195F5A9}" type="datetimeFigureOut">
               <a:rPr lang="zh-CN" altLang="en-US" smtClean="0"/>
-              <a:t>2019/5/6</a:t>
+              <a:t>2019/5/8</a:t>
             </a:fld>
             <a:endParaRPr lang="zh-CN" altLang="en-US"/>
           </a:p>
@@ -3976,7 +3976,7 @@
           <a:p>
             <a:fld id="{A5653BC3-BBCA-48BF-BFDC-06D38195F5A9}" type="datetimeFigureOut">
               <a:rPr lang="zh-CN" altLang="en-US" smtClean="0"/>
-              <a:t>2019/5/6</a:t>
+              <a:t>2019/5/8</a:t>
             </a:fld>
             <a:endParaRPr lang="zh-CN" altLang="en-US"/>
           </a:p>
@@ -4184,7 +4184,7 @@
           <a:p>
             <a:fld id="{A5653BC3-BBCA-48BF-BFDC-06D38195F5A9}" type="datetimeFigureOut">
               <a:rPr lang="zh-CN" altLang="en-US" smtClean="0"/>
-              <a:t>2019/5/6</a:t>
+              <a:t>2019/5/8</a:t>
             </a:fld>
             <a:endParaRPr lang="zh-CN" altLang="en-US"/>
           </a:p>
@@ -4359,7 +4359,7 @@
           <a:p>
             <a:fld id="{A5653BC3-BBCA-48BF-BFDC-06D38195F5A9}" type="datetimeFigureOut">
               <a:rPr lang="zh-CN" altLang="en-US" smtClean="0"/>
-              <a:t>2019/5/6</a:t>
+              <a:t>2019/5/8</a:t>
             </a:fld>
             <a:endParaRPr lang="zh-CN" altLang="en-US"/>
           </a:p>
@@ -4690,7 +4690,7 @@
           <a:p>
             <a:fld id="{A5653BC3-BBCA-48BF-BFDC-06D38195F5A9}" type="datetimeFigureOut">
               <a:rPr lang="zh-CN" altLang="en-US" smtClean="0"/>
-              <a:t>2019/5/6</a:t>
+              <a:t>2019/5/8</a:t>
             </a:fld>
             <a:endParaRPr lang="zh-CN" altLang="en-US"/>
           </a:p>
@@ -5033,7 +5033,7 @@
           <a:p>
             <a:fld id="{A5653BC3-BBCA-48BF-BFDC-06D38195F5A9}" type="datetimeFigureOut">
               <a:rPr lang="zh-CN" altLang="en-US" smtClean="0"/>
-              <a:t>2019/5/6</a:t>
+              <a:t>2019/5/8</a:t>
             </a:fld>
             <a:endParaRPr lang="zh-CN" altLang="en-US"/>
           </a:p>
@@ -7148,7 +7148,7 @@
           <a:p>
             <a:fld id="{A5653BC3-BBCA-48BF-BFDC-06D38195F5A9}" type="datetimeFigureOut">
               <a:rPr lang="zh-CN" altLang="en-US" smtClean="0"/>
-              <a:t>2019/5/6</a:t>
+              <a:t>2019/5/8</a:t>
             </a:fld>
             <a:endParaRPr lang="zh-CN" altLang="en-US"/>
           </a:p>
@@ -11989,7 +11989,7 @@
         <p:spPr/>
         <p:txBody>
           <a:bodyPr>
-            <a:normAutofit/>
+            <a:normAutofit fontScale="90000"/>
           </a:bodyPr>
           <a:lstStyle/>
           <a:p>
@@ -12004,6 +12004,19 @@
             <a:r>
               <a:rPr lang="zh-CN" altLang="en-US" dirty="0" smtClean="0"/>
               <a:t>组件</a:t>
+            </a:r>
+            <a:r>
+              <a:rPr lang="en-US" altLang="zh-CN" dirty="0" smtClean="0"/>
+              <a:t/>
+            </a:r>
+            <a:br>
+              <a:rPr lang="en-US" altLang="zh-CN" dirty="0" smtClean="0"/>
+            </a:br>
+            <a:r>
+              <a:rPr lang="en-US" altLang="zh-CN" dirty="0">
+                <a:hlinkClick r:id="rId2"/>
+              </a:rPr>
+              <a:t>https://hndeveloper.github.io/2017/github-android-ui.html</a:t>
             </a:r>
             <a:endParaRPr lang="zh-CN" altLang="en-US" dirty="0"/>
           </a:p>
@@ -12235,10 +12248,6 @@
               </a:rPr>
               <a:t>));</a:t>
             </a:r>
-            <a:endParaRPr lang="en-US" altLang="zh-CN" sz="1200" dirty="0" smtClean="0">
-              <a:latin typeface="Times New Roman" panose="02020603050405020304" pitchFamily="18" charset="0"/>
-              <a:cs typeface="Times New Roman" panose="02020603050405020304" pitchFamily="18" charset="0"/>
-            </a:endParaRPr>
           </a:p>
           <a:p>
             <a:r>
